--- a/Job Scheduling in MiniZinc.pptx
+++ b/Job Scheduling in MiniZinc.pptx
@@ -5336,8 +5336,8 @@
         </p:blipFill>
         <p:spPr>
           <a:xfrm>
-            <a:off x="7906709" y="2924944"/>
-            <a:ext cx="2067213" cy="2610214"/>
+            <a:off x="7824192" y="2810514"/>
+            <a:ext cx="2761291" cy="3486608"/>
           </a:xfrm>
           <a:prstGeom prst="rect">
             <a:avLst/>
@@ -5513,7 +5513,6 @@
               <a:rPr lang="it-IT" dirty="0" smtClean="0"/>
               <a:t>Single Machine Model</a:t>
             </a:r>
-            <a:endParaRPr lang="it-IT" dirty="0" smtClean="0"/>
           </a:p>
           <a:p>
             <a:pPr rtl="0"/>
@@ -5529,7 +5528,6 @@
               <a:rPr lang="it-IT" dirty="0" smtClean="0"/>
               <a:t> Model</a:t>
             </a:r>
-            <a:endParaRPr lang="it-IT" dirty="0" smtClean="0"/>
           </a:p>
           <a:p>
             <a:pPr rtl="0"/>
@@ -5588,8 +5586,8 @@
         </p:nvSpPr>
         <p:spPr>
           <a:xfrm>
-            <a:off x="7536160" y="1759346"/>
-            <a:ext cx="3528392" cy="2821782"/>
+            <a:off x="6960096" y="3573016"/>
+            <a:ext cx="4752528" cy="2079799"/>
           </a:xfrm>
         </p:spPr>
         <p:txBody>
@@ -6093,7 +6091,21 @@
                 <a:latin typeface="Courier New" panose="02070309020205020404" pitchFamily="49" charset="0"/>
                 <a:cs typeface="Courier New" panose="02070309020205020404" pitchFamily="49" charset="0"/>
               </a:rPr>
-              <a:t>&gt; Minizinc.exe –solver </a:t>
+              <a:t>&gt; Minizinc.exe </a:t>
+            </a:r>
+            <a:r>
+              <a:rPr lang="en-US" dirty="0" smtClean="0">
+                <a:latin typeface="Courier New" panose="02070309020205020404" pitchFamily="49" charset="0"/>
+                <a:cs typeface="Courier New" panose="02070309020205020404" pitchFamily="49" charset="0"/>
+              </a:rPr>
+              <a:t>-–</a:t>
+            </a:r>
+            <a:r>
+              <a:rPr lang="en-US" dirty="0" smtClean="0">
+                <a:latin typeface="Courier New" panose="02070309020205020404" pitchFamily="49" charset="0"/>
+                <a:cs typeface="Courier New" panose="02070309020205020404" pitchFamily="49" charset="0"/>
+              </a:rPr>
+              <a:t>solver </a:t>
             </a:r>
             <a:r>
               <a:rPr lang="en-US" dirty="0" err="1" smtClean="0">
@@ -6358,35 +6370,6 @@
           </a:p>
         </p:txBody>
       </p:sp>
-      <p:pic>
-        <p:nvPicPr>
-          <p:cNvPr id="5" name="Segnaposto contenuto 4"/>
-          <p:cNvPicPr>
-            <a:picLocks noGrp="1" noChangeAspect="1"/>
-          </p:cNvPicPr>
-          <p:nvPr>
-            <p:ph sz="half" idx="2"/>
-          </p:nvPr>
-        </p:nvPicPr>
-        <p:blipFill>
-          <a:blip r:embed="rId2">
-            <a:extLst>
-              <a:ext uri="{28A0092B-C50C-407E-A947-70E740481C1C}">
-                <a14:useLocalDpi xmlns:a14="http://schemas.microsoft.com/office/drawing/2010/main" val="0"/>
-              </a:ext>
-            </a:extLst>
-          </a:blip>
-          <a:stretch>
-            <a:fillRect/>
-          </a:stretch>
-        </p:blipFill>
-        <p:spPr>
-          <a:xfrm>
-            <a:off x="2098294" y="2996952"/>
-            <a:ext cx="7995411" cy="3224281"/>
-          </a:xfrm>
-        </p:spPr>
-      </p:pic>
       <p:sp>
         <p:nvSpPr>
           <p:cNvPr id="6" name="Segnaposto contenuto 2"/>
@@ -6626,6 +6609,30 @@
           </a:p>
         </p:txBody>
       </p:sp>
+      <p:pic>
+        <p:nvPicPr>
+          <p:cNvPr id="4" name="Immagine 3"/>
+          <p:cNvPicPr>
+            <a:picLocks noChangeAspect="1"/>
+          </p:cNvPicPr>
+          <p:nvPr/>
+        </p:nvPicPr>
+        <p:blipFill>
+          <a:blip r:embed="rId2"/>
+          <a:stretch>
+            <a:fillRect/>
+          </a:stretch>
+        </p:blipFill>
+        <p:spPr>
+          <a:xfrm>
+            <a:off x="2049551" y="2906724"/>
+            <a:ext cx="8024050" cy="3414701"/>
+          </a:xfrm>
+          <a:prstGeom prst="rect">
+            <a:avLst/>
+          </a:prstGeom>
+        </p:spPr>
+      </p:pic>
     </p:spTree>
     <p:extLst>
       <p:ext uri="{BB962C8B-B14F-4D97-AF65-F5344CB8AC3E}">
@@ -7557,15 +7564,6 @@
 </file>
 
 <file path=customXml/item2.xml><?xml version="1.0" encoding="utf-8"?>
-<?mso-contentType ?>
-<FormTemplates xmlns="http://schemas.microsoft.com/sharepoint/v3/contenttype/forms">
-  <Display>DocumentLibraryForm</Display>
-  <Edit>AssetEditForm</Edit>
-  <New>DocumentLibraryForm</New>
-</FormTemplates>
-</file>
-
-<file path=customXml/item3.xml><?xml version="1.0" encoding="utf-8"?>
 <ct:contentTypeSchema xmlns:ct="http://schemas.microsoft.com/office/2006/metadata/contentType" xmlns:ma="http://schemas.microsoft.com/office/2006/metadata/properties/metaAttributes" ct:_="" ma:_="" ma:contentTypeName="TemplateFile" ma:contentTypeID="0x0101006EDDDB5EE6D98C44930B742096920B300400F5B6D36B3EF94B4E9A635CDF2A18F5B8" ma:contentTypeVersion="72" ma:contentTypeDescription="Create a new document." ma:contentTypeScope="" ma:versionID="a23e56308344d904b51738559c3d67c9">
   <xsd:schema xmlns:xsd="http://www.w3.org/2001/XMLSchema" xmlns:xs="http://www.w3.org/2001/XMLSchema" xmlns:p="http://schemas.microsoft.com/office/2006/metadata/properties" xmlns:ns2="4873beb7-5857-4685-be1f-d57550cc96cc" targetNamespace="http://schemas.microsoft.com/office/2006/metadata/properties" ma:root="true" ma:fieldsID="cd0908cc4600e77bf5da051303e00c8d" ns2:_="">
     <xsd:import namespace="4873beb7-5857-4685-be1f-d57550cc96cc"/>
@@ -8605,31 +8603,32 @@
 </ct:contentTypeSchema>
 </file>
 
+<file path=customXml/item3.xml><?xml version="1.0" encoding="utf-8"?>
+<?mso-contentType ?>
+<FormTemplates xmlns="http://schemas.microsoft.com/sharepoint/v3/contenttype/forms">
+  <Display>DocumentLibraryForm</Display>
+  <Edit>AssetEditForm</Edit>
+  <New>DocumentLibraryForm</New>
+</FormTemplates>
+</file>
+
 <file path=customXml/itemProps1.xml><?xml version="1.0" encoding="utf-8"?>
 <ds:datastoreItem xmlns:ds="http://schemas.openxmlformats.org/officeDocument/2006/customXml" ds:itemID="{04098515-0C12-46CF-BC7C-69B4A13CD5FA}">
   <ds:schemaRefs>
+    <ds:schemaRef ds:uri="http://purl.org/dc/dcmitype/"/>
+    <ds:schemaRef ds:uri="http://www.w3.org/XML/1998/namespace"/>
     <ds:schemaRef ds:uri="http://purl.org/dc/elements/1.1/"/>
-    <ds:schemaRef ds:uri="http://purl.org/dc/terms/"/>
+    <ds:schemaRef ds:uri="http://schemas.openxmlformats.org/package/2006/metadata/core-properties"/>
     <ds:schemaRef ds:uri="http://schemas.microsoft.com/office/2006/metadata/properties"/>
-    <ds:schemaRef ds:uri="http://www.w3.org/XML/1998/namespace"/>
     <ds:schemaRef ds:uri="http://schemas.microsoft.com/office/2006/documentManagement/types"/>
     <ds:schemaRef ds:uri="http://schemas.microsoft.com/office/infopath/2007/PartnerControls"/>
-    <ds:schemaRef ds:uri="http://schemas.openxmlformats.org/package/2006/metadata/core-properties"/>
     <ds:schemaRef ds:uri="4873beb7-5857-4685-be1f-d57550cc96cc"/>
-    <ds:schemaRef ds:uri="http://purl.org/dc/dcmitype/"/>
+    <ds:schemaRef ds:uri="http://purl.org/dc/terms/"/>
   </ds:schemaRefs>
 </ds:datastoreItem>
 </file>
 
 <file path=customXml/itemProps2.xml><?xml version="1.0" encoding="utf-8"?>
-<ds:datastoreItem xmlns:ds="http://schemas.openxmlformats.org/officeDocument/2006/customXml" ds:itemID="{746CFF6F-D9AA-4BC0-911A-0A1356771912}">
-  <ds:schemaRefs>
-    <ds:schemaRef ds:uri="http://schemas.microsoft.com/sharepoint/v3/contenttype/forms"/>
-  </ds:schemaRefs>
-</ds:datastoreItem>
-</file>
-
-<file path=customXml/itemProps3.xml><?xml version="1.0" encoding="utf-8"?>
 <ds:datastoreItem xmlns:ds="http://schemas.openxmlformats.org/officeDocument/2006/customXml" ds:itemID="{0B5C6E15-39DC-470B-9445-F754B9458020}">
   <ds:schemaRefs>
     <ds:schemaRef ds:uri="http://schemas.microsoft.com/office/2006/metadata/contentType"/>
@@ -8645,4 +8644,12 @@
     <ds:schemaRef ds:uri="http://schemas.microsoft.com/internal/obd"/>
   </ds:schemaRefs>
 </ds:datastoreItem>
+</file>
+
+<file path=customXml/itemProps3.xml><?xml version="1.0" encoding="utf-8"?>
+<ds:datastoreItem xmlns:ds="http://schemas.openxmlformats.org/officeDocument/2006/customXml" ds:itemID="{746CFF6F-D9AA-4BC0-911A-0A1356771912}">
+  <ds:schemaRefs>
+    <ds:schemaRef ds:uri="http://schemas.microsoft.com/sharepoint/v3/contenttype/forms"/>
+  </ds:schemaRefs>
+</ds:datastoreItem>
 </file>